--- a/docs/assets/images/logo.pptx
+++ b/docs/assets/images/logo.pptx
@@ -110,6 +110,11 @@
       </a:defRPr>
     </a:lvl9pPr>
   </p:defaultTextStyle>
+  <p:extLst>
+    <p:ext uri="{EFAFB233-063F-42B5-8137-9DF3F51BA10A}">
+      <p15:sldGuideLst xmlns:p15="http://schemas.microsoft.com/office/powerpoint/2012/main"/>
+    </p:ext>
+  </p:extLst>
 </p:presentation>
 </file>
 
@@ -4047,121 +4052,100 @@
           <a:chExt cx="0" cy="0"/>
         </a:xfrm>
       </p:grpSpPr>
-      <p:grpSp>
-        <p:nvGrpSpPr>
-          <p:cNvPr id="3" name="グループ化 2">
-            <a:extLst>
-              <a:ext uri="{FF2B5EF4-FFF2-40B4-BE49-F238E27FC236}">
-                <a16:creationId xmlns:a16="http://schemas.microsoft.com/office/drawing/2014/main" id="{F1271297-111A-4DEA-97AF-418694989DF6}"/>
-              </a:ext>
-            </a:extLst>
-          </p:cNvPr>
-          <p:cNvGrpSpPr/>
+      <p:sp>
+        <p:nvSpPr>
+          <p:cNvPr id="2" name="正方形/長方形 1">
+            <a:extLst>
+              <a:ext uri="{FF2B5EF4-FFF2-40B4-BE49-F238E27FC236}">
+                <a16:creationId xmlns:a16="http://schemas.microsoft.com/office/drawing/2014/main" id="{08517A36-9CDC-FA62-A845-7D4E468C55A1}"/>
+              </a:ext>
+            </a:extLst>
+          </p:cNvPr>
+          <p:cNvSpPr/>
           <p:nvPr/>
-        </p:nvGrpSpPr>
-        <p:grpSpPr>
+        </p:nvSpPr>
+        <p:spPr>
           <a:xfrm>
             <a:off x="1543291" y="2139060"/>
             <a:ext cx="8646288" cy="3067291"/>
-            <a:chOff x="1543291" y="2139060"/>
-            <a:chExt cx="8646288" cy="3067291"/>
           </a:xfrm>
-        </p:grpSpPr>
-        <p:sp>
-          <p:nvSpPr>
-            <p:cNvPr id="2" name="正方形/長方形 1">
-              <a:extLst>
-                <a:ext uri="{FF2B5EF4-FFF2-40B4-BE49-F238E27FC236}">
-                  <a16:creationId xmlns:a16="http://schemas.microsoft.com/office/drawing/2014/main" id="{08517A36-9CDC-FA62-A845-7D4E468C55A1}"/>
-                </a:ext>
-              </a:extLst>
-            </p:cNvPr>
-            <p:cNvSpPr/>
-            <p:nvPr/>
-          </p:nvSpPr>
-          <p:spPr>
-            <a:xfrm>
-              <a:off x="1543291" y="2139060"/>
-              <a:ext cx="8646288" cy="3067291"/>
-            </a:xfrm>
-            <a:prstGeom prst="rect">
-              <a:avLst/>
-            </a:prstGeom>
+          <a:prstGeom prst="rect">
+            <a:avLst/>
+          </a:prstGeom>
+          <a:solidFill>
+            <a:schemeClr val="bg1"/>
+          </a:solidFill>
+          <a:ln>
             <a:solidFill>
               <a:schemeClr val="bg1"/>
             </a:solidFill>
-            <a:ln>
-              <a:solidFill>
-                <a:schemeClr val="bg1"/>
-              </a:solidFill>
-            </a:ln>
-          </p:spPr>
-          <p:style>
-            <a:lnRef idx="2">
-              <a:schemeClr val="accent1">
-                <a:shade val="15000"/>
-              </a:schemeClr>
-            </a:lnRef>
-            <a:fillRef idx="1">
-              <a:schemeClr val="accent1"/>
-            </a:fillRef>
-            <a:effectRef idx="0">
-              <a:schemeClr val="accent1"/>
-            </a:effectRef>
-            <a:fontRef idx="minor">
-              <a:schemeClr val="lt1"/>
-            </a:fontRef>
-          </p:style>
-          <p:txBody>
-            <a:bodyPr rtlCol="0" anchor="ctr"/>
-            <a:lstStyle/>
-            <a:p>
-              <a:pPr algn="ctr"/>
-              <a:endParaRPr kumimoji="1" lang="ja-JP" altLang="en-US"/>
-            </a:p>
-          </p:txBody>
-        </p:sp>
-        <p:pic>
-          <p:nvPicPr>
-            <p:cNvPr id="7" name="図 6" descr="テキスト&#10;&#10;中程度の精度で自動的に生成された説明">
-              <a:extLst>
-                <a:ext uri="{FF2B5EF4-FFF2-40B4-BE49-F238E27FC236}">
-                  <a16:creationId xmlns:a16="http://schemas.microsoft.com/office/drawing/2014/main" id="{54F4B2B2-4628-978A-D885-1C0A2C6E689E}"/>
-                </a:ext>
-              </a:extLst>
-            </p:cNvPr>
-            <p:cNvPicPr>
-              <a:picLocks noChangeAspect="1"/>
-            </p:cNvPicPr>
-            <p:nvPr/>
-          </p:nvPicPr>
-          <p:blipFill rotWithShape="1">
-            <a:blip r:embed="rId2">
-              <a:extLst>
-                <a:ext uri="{28A0092B-C50C-407E-A947-70E740481C1C}">
-                  <a14:useLocalDpi xmlns:a14="http://schemas.microsoft.com/office/drawing/2010/main" val="0"/>
-                </a:ext>
-              </a:extLst>
-            </a:blip>
-            <a:srcRect l="4189" r="3591"/>
-            <a:stretch/>
-          </p:blipFill>
-          <p:spPr>
-            <a:xfrm>
-              <a:off x="1555027" y="2670367"/>
-              <a:ext cx="8622817" cy="2004677"/>
-            </a:xfrm>
-            <a:prstGeom prst="rect">
-              <a:avLst/>
-            </a:prstGeom>
-            <a:ln>
-              <a:solidFill>
-                <a:schemeClr val="bg1"/>
-              </a:solidFill>
-            </a:ln>
-          </p:spPr>
-        </p:pic>
-      </p:grpSp>
+          </a:ln>
+        </p:spPr>
+        <p:style>
+          <a:lnRef idx="2">
+            <a:schemeClr val="accent1">
+              <a:shade val="15000"/>
+            </a:schemeClr>
+          </a:lnRef>
+          <a:fillRef idx="1">
+            <a:schemeClr val="accent1"/>
+          </a:fillRef>
+          <a:effectRef idx="0">
+            <a:schemeClr val="accent1"/>
+          </a:effectRef>
+          <a:fontRef idx="minor">
+            <a:schemeClr val="lt1"/>
+          </a:fontRef>
+        </p:style>
+        <p:txBody>
+          <a:bodyPr rtlCol="0" anchor="ctr"/>
+          <a:lstStyle/>
+          <a:p>
+            <a:pPr algn="ctr"/>
+            <a:endParaRPr kumimoji="1" lang="ja-JP" altLang="en-US"/>
+          </a:p>
+        </p:txBody>
+      </p:sp>
+      <p:pic>
+        <p:nvPicPr>
+          <p:cNvPr id="7" name="図 6" descr="テキスト&#10;&#10;中程度の精度で自動的に生成された説明">
+            <a:extLst>
+              <a:ext uri="{FF2B5EF4-FFF2-40B4-BE49-F238E27FC236}">
+                <a16:creationId xmlns:a16="http://schemas.microsoft.com/office/drawing/2014/main" id="{54F4B2B2-4628-978A-D885-1C0A2C6E689E}"/>
+              </a:ext>
+            </a:extLst>
+          </p:cNvPr>
+          <p:cNvPicPr>
+            <a:picLocks noChangeAspect="1"/>
+          </p:cNvPicPr>
+          <p:nvPr/>
+        </p:nvPicPr>
+        <p:blipFill rotWithShape="1">
+          <a:blip r:embed="rId2">
+            <a:extLst>
+              <a:ext uri="{28A0092B-C50C-407E-A947-70E740481C1C}">
+                <a14:useLocalDpi xmlns:a14="http://schemas.microsoft.com/office/drawing/2010/main" val="0"/>
+              </a:ext>
+            </a:extLst>
+          </a:blip>
+          <a:srcRect l="4189" r="3591"/>
+          <a:stretch/>
+        </p:blipFill>
+        <p:spPr>
+          <a:xfrm>
+            <a:off x="1555027" y="2670367"/>
+            <a:ext cx="8622817" cy="2004677"/>
+          </a:xfrm>
+          <a:prstGeom prst="rect">
+            <a:avLst/>
+          </a:prstGeom>
+          <a:ln>
+            <a:solidFill>
+              <a:schemeClr val="bg1"/>
+            </a:solidFill>
+          </a:ln>
+        </p:spPr>
+      </p:pic>
     </p:spTree>
     <p:extLst>
       <p:ext uri="{BB962C8B-B14F-4D97-AF65-F5344CB8AC3E}">
@@ -4194,10 +4178,10 @@
       </p:grpSpPr>
       <p:grpSp>
         <p:nvGrpSpPr>
-          <p:cNvPr id="12" name="グループ化 11">
-            <a:extLst>
-              <a:ext uri="{FF2B5EF4-FFF2-40B4-BE49-F238E27FC236}">
-                <a16:creationId xmlns:a16="http://schemas.microsoft.com/office/drawing/2014/main" id="{3B07B8DC-E6EB-C933-A7D0-2214BB022B05}"/>
+          <p:cNvPr id="3" name="グループ化 2">
+            <a:extLst>
+              <a:ext uri="{FF2B5EF4-FFF2-40B4-BE49-F238E27FC236}">
+                <a16:creationId xmlns:a16="http://schemas.microsoft.com/office/drawing/2014/main" id="{397AF5DF-ACAF-3D98-6915-DE9383889FCB}"/>
               </a:ext>
             </a:extLst>
           </p:cNvPr>
@@ -4206,18 +4190,18 @@
         </p:nvGrpSpPr>
         <p:grpSpPr>
           <a:xfrm>
-            <a:off x="3889093" y="1791819"/>
-            <a:ext cx="5023413" cy="3067291"/>
-            <a:chOff x="3889093" y="1791819"/>
-            <a:chExt cx="5023413" cy="3067291"/>
+            <a:off x="1512118" y="1895354"/>
+            <a:ext cx="8646288" cy="3067291"/>
+            <a:chOff x="1512118" y="1895354"/>
+            <a:chExt cx="8646288" cy="3067291"/>
           </a:xfrm>
         </p:grpSpPr>
         <p:sp>
           <p:nvSpPr>
-            <p:cNvPr id="10" name="正方形/長方形 9">
+            <p:cNvPr id="2" name="正方形/長方形 1">
               <a:extLst>
                 <a:ext uri="{FF2B5EF4-FFF2-40B4-BE49-F238E27FC236}">
-                  <a16:creationId xmlns:a16="http://schemas.microsoft.com/office/drawing/2014/main" id="{891071EC-69AB-A6A7-212B-703A0A21634F}"/>
+                  <a16:creationId xmlns:a16="http://schemas.microsoft.com/office/drawing/2014/main" id="{269607A2-2775-DF43-E922-08C8B15640B5}"/>
                 </a:ext>
               </a:extLst>
             </p:cNvPr>
@@ -4226,8 +4210,8 @@
           </p:nvSpPr>
           <p:spPr>
             <a:xfrm>
-              <a:off x="3889093" y="1791819"/>
-              <a:ext cx="5023413" cy="3067291"/>
+              <a:off x="1512118" y="1895354"/>
+              <a:ext cx="8646288" cy="3067291"/>
             </a:xfrm>
             <a:prstGeom prst="rect">
               <a:avLst/>
@@ -4294,7 +4278,7 @@
           </p:blipFill>
           <p:spPr>
             <a:xfrm>
-              <a:off x="4288251" y="1791819"/>
+              <a:off x="3701494" y="1895354"/>
               <a:ext cx="4267536" cy="3067291"/>
             </a:xfrm>
             <a:prstGeom prst="rect">
@@ -4340,10 +4324,10 @@
       </p:grpSpPr>
       <p:grpSp>
         <p:nvGrpSpPr>
-          <p:cNvPr id="3" name="グループ化 2">
-            <a:extLst>
-              <a:ext uri="{FF2B5EF4-FFF2-40B4-BE49-F238E27FC236}">
-                <a16:creationId xmlns:a16="http://schemas.microsoft.com/office/drawing/2014/main" id="{AADA2F45-0E94-5859-9AD7-4D6271AE7F5C}"/>
+          <p:cNvPr id="5" name="グループ化 4">
+            <a:extLst>
+              <a:ext uri="{FF2B5EF4-FFF2-40B4-BE49-F238E27FC236}">
+                <a16:creationId xmlns:a16="http://schemas.microsoft.com/office/drawing/2014/main" id="{66DBAE87-8283-AE33-08F1-FAD75C2F2AB8}"/>
               </a:ext>
             </a:extLst>
           </p:cNvPr>
@@ -4352,18 +4336,18 @@
         </p:nvGrpSpPr>
         <p:grpSpPr>
           <a:xfrm>
-            <a:off x="3159889" y="2139060"/>
-            <a:ext cx="5428526" cy="3067291"/>
-            <a:chOff x="3159889" y="2139060"/>
-            <a:chExt cx="5428526" cy="3067291"/>
+            <a:off x="1543291" y="2178453"/>
+            <a:ext cx="8646288" cy="3067291"/>
+            <a:chOff x="1543291" y="2178453"/>
+            <a:chExt cx="8646288" cy="3067291"/>
           </a:xfrm>
         </p:grpSpPr>
         <p:sp>
           <p:nvSpPr>
-            <p:cNvPr id="2" name="正方形/長方形 1">
+            <p:cNvPr id="4" name="正方形/長方形 3">
               <a:extLst>
                 <a:ext uri="{FF2B5EF4-FFF2-40B4-BE49-F238E27FC236}">
-                  <a16:creationId xmlns:a16="http://schemas.microsoft.com/office/drawing/2014/main" id="{880EC195-9926-638E-178D-63F5537ED0C9}"/>
+                  <a16:creationId xmlns:a16="http://schemas.microsoft.com/office/drawing/2014/main" id="{6B0B0A20-2E86-366B-C746-63A525CD0593}"/>
                 </a:ext>
               </a:extLst>
             </p:cNvPr>
@@ -4372,8 +4356,8 @@
           </p:nvSpPr>
           <p:spPr>
             <a:xfrm>
-              <a:off x="3159889" y="2139060"/>
-              <a:ext cx="5428526" cy="3067291"/>
+              <a:off x="1543291" y="2178453"/>
+              <a:ext cx="8646288" cy="3067291"/>
             </a:xfrm>
             <a:prstGeom prst="rect">
               <a:avLst/>
@@ -4440,7 +4424,7 @@
           </p:blipFill>
           <p:spPr>
             <a:xfrm>
-              <a:off x="3331579" y="2139060"/>
+              <a:off x="3331580" y="2180623"/>
               <a:ext cx="5069711" cy="3062950"/>
             </a:xfrm>
             <a:prstGeom prst="rect">

--- a/docs/assets/images/logo.pptx
+++ b/docs/assets/images/logo.pptx
@@ -4178,10 +4178,10 @@
       </p:grpSpPr>
       <p:grpSp>
         <p:nvGrpSpPr>
-          <p:cNvPr id="3" name="グループ化 2">
-            <a:extLst>
-              <a:ext uri="{FF2B5EF4-FFF2-40B4-BE49-F238E27FC236}">
-                <a16:creationId xmlns:a16="http://schemas.microsoft.com/office/drawing/2014/main" id="{397AF5DF-ACAF-3D98-6915-DE9383889FCB}"/>
+          <p:cNvPr id="6" name="グループ化 5">
+            <a:extLst>
+              <a:ext uri="{FF2B5EF4-FFF2-40B4-BE49-F238E27FC236}">
+                <a16:creationId xmlns:a16="http://schemas.microsoft.com/office/drawing/2014/main" id="{C92A440D-D793-DD65-15B1-7330AC794319}"/>
               </a:ext>
             </a:extLst>
           </p:cNvPr>
@@ -4190,18 +4190,18 @@
         </p:nvGrpSpPr>
         <p:grpSpPr>
           <a:xfrm>
-            <a:off x="1512118" y="1895354"/>
-            <a:ext cx="8646288" cy="3067291"/>
-            <a:chOff x="1512118" y="1895354"/>
-            <a:chExt cx="8646288" cy="3067291"/>
+            <a:off x="3241966" y="1895353"/>
+            <a:ext cx="5330536" cy="3067292"/>
+            <a:chOff x="3241966" y="1895353"/>
+            <a:chExt cx="5330536" cy="3067292"/>
           </a:xfrm>
         </p:grpSpPr>
         <p:sp>
           <p:nvSpPr>
-            <p:cNvPr id="2" name="正方形/長方形 1">
+            <p:cNvPr id="4" name="正方形/長方形 3">
               <a:extLst>
                 <a:ext uri="{FF2B5EF4-FFF2-40B4-BE49-F238E27FC236}">
-                  <a16:creationId xmlns:a16="http://schemas.microsoft.com/office/drawing/2014/main" id="{269607A2-2775-DF43-E922-08C8B15640B5}"/>
+                  <a16:creationId xmlns:a16="http://schemas.microsoft.com/office/drawing/2014/main" id="{76CD0CFE-CFA3-E022-BB85-D6552E0908F8}"/>
                 </a:ext>
               </a:extLst>
             </p:cNvPr>
@@ -4210,8 +4210,8 @@
           </p:nvSpPr>
           <p:spPr>
             <a:xfrm>
-              <a:off x="1512118" y="1895354"/>
-              <a:ext cx="8646288" cy="3067291"/>
+              <a:off x="3241966" y="1895353"/>
+              <a:ext cx="5330536" cy="3067291"/>
             </a:xfrm>
             <a:prstGeom prst="rect">
               <a:avLst/>
@@ -4336,10 +4336,10 @@
         </p:nvGrpSpPr>
         <p:grpSpPr>
           <a:xfrm>
-            <a:off x="1543291" y="2178453"/>
-            <a:ext cx="8646288" cy="3067291"/>
-            <a:chOff x="1543291" y="2178453"/>
-            <a:chExt cx="8646288" cy="3067291"/>
+            <a:off x="3190009" y="2178453"/>
+            <a:ext cx="5330536" cy="3067291"/>
+            <a:chOff x="3190009" y="2178453"/>
+            <a:chExt cx="5330536" cy="3067291"/>
           </a:xfrm>
         </p:grpSpPr>
         <p:sp>
@@ -4356,8 +4356,8 @@
           </p:nvSpPr>
           <p:spPr>
             <a:xfrm>
-              <a:off x="1543291" y="2178453"/>
-              <a:ext cx="8646288" cy="3067291"/>
+              <a:off x="3190009" y="2178453"/>
+              <a:ext cx="5330536" cy="3067291"/>
             </a:xfrm>
             <a:prstGeom prst="rect">
               <a:avLst/>
@@ -4470,10 +4470,10 @@
       </p:grpSpPr>
       <p:grpSp>
         <p:nvGrpSpPr>
-          <p:cNvPr id="3" name="グループ化 2">
-            <a:extLst>
-              <a:ext uri="{FF2B5EF4-FFF2-40B4-BE49-F238E27FC236}">
-                <a16:creationId xmlns:a16="http://schemas.microsoft.com/office/drawing/2014/main" id="{DAAE82D1-D47C-DDF6-F5F6-C87A6EC73D86}"/>
+          <p:cNvPr id="5" name="グループ化 4">
+            <a:extLst>
+              <a:ext uri="{FF2B5EF4-FFF2-40B4-BE49-F238E27FC236}">
+                <a16:creationId xmlns:a16="http://schemas.microsoft.com/office/drawing/2014/main" id="{AD73297E-6E8C-2483-3E6F-1992E543D539}"/>
               </a:ext>
             </a:extLst>
           </p:cNvPr>
@@ -4482,18 +4482,18 @@
         </p:nvGrpSpPr>
         <p:grpSpPr>
           <a:xfrm>
-            <a:off x="1543291" y="2139060"/>
-            <a:ext cx="8646288" cy="3067291"/>
-            <a:chOff x="1543291" y="2139060"/>
-            <a:chExt cx="8646288" cy="3067291"/>
+            <a:off x="2283787" y="1991416"/>
+            <a:ext cx="5330536" cy="3067291"/>
+            <a:chOff x="2283787" y="1991416"/>
+            <a:chExt cx="5330536" cy="3067291"/>
           </a:xfrm>
         </p:grpSpPr>
         <p:sp>
           <p:nvSpPr>
-            <p:cNvPr id="2" name="正方形/長方形 1">
+            <p:cNvPr id="4" name="正方形/長方形 3">
               <a:extLst>
                 <a:ext uri="{FF2B5EF4-FFF2-40B4-BE49-F238E27FC236}">
-                  <a16:creationId xmlns:a16="http://schemas.microsoft.com/office/drawing/2014/main" id="{CE6ED5BA-D3ED-D678-185B-3595900DEEFD}"/>
+                  <a16:creationId xmlns:a16="http://schemas.microsoft.com/office/drawing/2014/main" id="{B85110F0-F451-6881-1B0F-E476116DB4AF}"/>
                 </a:ext>
               </a:extLst>
             </p:cNvPr>
@@ -4502,8 +4502,8 @@
           </p:nvSpPr>
           <p:spPr>
             <a:xfrm>
-              <a:off x="1543291" y="2139060"/>
-              <a:ext cx="8646288" cy="3067291"/>
+              <a:off x="2283787" y="1991416"/>
+              <a:ext cx="5330536" cy="3067291"/>
             </a:xfrm>
             <a:prstGeom prst="rect">
               <a:avLst/>
@@ -4570,8 +4570,8 @@
           </p:blipFill>
           <p:spPr>
             <a:xfrm>
-              <a:off x="1834756" y="2611240"/>
-              <a:ext cx="8063358" cy="2122931"/>
+              <a:off x="2358735" y="2843078"/>
+              <a:ext cx="5180641" cy="1363966"/>
             </a:xfrm>
             <a:prstGeom prst="rect">
               <a:avLst/>

--- a/docs/assets/images/logo.pptx
+++ b/docs/assets/images/logo.pptx
@@ -4176,6 +4176,60 @@
           <a:chExt cx="0" cy="0"/>
         </a:xfrm>
       </p:grpSpPr>
+      <p:sp>
+        <p:nvSpPr>
+          <p:cNvPr id="2" name="正方形/長方形 1">
+            <a:extLst>
+              <a:ext uri="{FF2B5EF4-FFF2-40B4-BE49-F238E27FC236}">
+                <a16:creationId xmlns:a16="http://schemas.microsoft.com/office/drawing/2014/main" id="{121E6924-71DA-9C0F-3B2E-820D4C796906}"/>
+              </a:ext>
+            </a:extLst>
+          </p:cNvPr>
+          <p:cNvSpPr/>
+          <p:nvPr/>
+        </p:nvSpPr>
+        <p:spPr>
+          <a:xfrm>
+            <a:off x="1584090" y="1769409"/>
+            <a:ext cx="8646288" cy="3067291"/>
+          </a:xfrm>
+          <a:prstGeom prst="rect">
+            <a:avLst/>
+          </a:prstGeom>
+          <a:solidFill>
+            <a:schemeClr val="bg1"/>
+          </a:solidFill>
+          <a:ln>
+            <a:solidFill>
+              <a:schemeClr val="bg1"/>
+            </a:solidFill>
+          </a:ln>
+        </p:spPr>
+        <p:style>
+          <a:lnRef idx="2">
+            <a:schemeClr val="accent1">
+              <a:shade val="15000"/>
+            </a:schemeClr>
+          </a:lnRef>
+          <a:fillRef idx="1">
+            <a:schemeClr val="accent1"/>
+          </a:fillRef>
+          <a:effectRef idx="0">
+            <a:schemeClr val="accent1"/>
+          </a:effectRef>
+          <a:fontRef idx="minor">
+            <a:schemeClr val="lt1"/>
+          </a:fontRef>
+        </p:style>
+        <p:txBody>
+          <a:bodyPr rtlCol="0" anchor="ctr"/>
+          <a:lstStyle/>
+          <a:p>
+            <a:pPr algn="ctr"/>
+            <a:endParaRPr kumimoji="1" lang="ja-JP" altLang="en-US"/>
+          </a:p>
+        </p:txBody>
+      </p:sp>
       <p:grpSp>
         <p:nvGrpSpPr>
           <p:cNvPr id="6" name="グループ化 5">
@@ -4292,6 +4346,122 @@
           </p:spPr>
         </p:pic>
       </p:grpSp>
+      <p:grpSp>
+        <p:nvGrpSpPr>
+          <p:cNvPr id="10" name="グループ化 9">
+            <a:extLst>
+              <a:ext uri="{FF2B5EF4-FFF2-40B4-BE49-F238E27FC236}">
+                <a16:creationId xmlns:a16="http://schemas.microsoft.com/office/drawing/2014/main" id="{61C5505C-088D-7CA6-33B3-ADC4AE7A2E49}"/>
+              </a:ext>
+            </a:extLst>
+          </p:cNvPr>
+          <p:cNvGrpSpPr/>
+          <p:nvPr/>
+        </p:nvGrpSpPr>
+        <p:grpSpPr>
+          <a:xfrm>
+            <a:off x="1613273" y="1832382"/>
+            <a:ext cx="8646288" cy="3067291"/>
+            <a:chOff x="1613273" y="1832382"/>
+            <a:chExt cx="8646288" cy="3067291"/>
+          </a:xfrm>
+        </p:grpSpPr>
+        <p:sp>
+          <p:nvSpPr>
+            <p:cNvPr id="3" name="正方形/長方形 2">
+              <a:extLst>
+                <a:ext uri="{FF2B5EF4-FFF2-40B4-BE49-F238E27FC236}">
+                  <a16:creationId xmlns:a16="http://schemas.microsoft.com/office/drawing/2014/main" id="{28330DC3-57EE-18EB-716E-162307E48956}"/>
+                </a:ext>
+              </a:extLst>
+            </p:cNvPr>
+            <p:cNvSpPr/>
+            <p:nvPr/>
+          </p:nvSpPr>
+          <p:spPr>
+            <a:xfrm>
+              <a:off x="1613273" y="1832382"/>
+              <a:ext cx="8646288" cy="3067291"/>
+            </a:xfrm>
+            <a:prstGeom prst="rect">
+              <a:avLst/>
+            </a:prstGeom>
+            <a:solidFill>
+              <a:schemeClr val="bg1"/>
+            </a:solidFill>
+            <a:ln>
+              <a:solidFill>
+                <a:schemeClr val="bg1"/>
+              </a:solidFill>
+            </a:ln>
+          </p:spPr>
+          <p:style>
+            <a:lnRef idx="2">
+              <a:schemeClr val="accent1">
+                <a:shade val="15000"/>
+              </a:schemeClr>
+            </a:lnRef>
+            <a:fillRef idx="1">
+              <a:schemeClr val="accent1"/>
+            </a:fillRef>
+            <a:effectRef idx="0">
+              <a:schemeClr val="accent1"/>
+            </a:effectRef>
+            <a:fontRef idx="minor">
+              <a:schemeClr val="lt1"/>
+            </a:fontRef>
+          </p:style>
+          <p:txBody>
+            <a:bodyPr rtlCol="0" anchor="ctr"/>
+            <a:lstStyle/>
+            <a:p>
+              <a:pPr algn="ctr"/>
+              <a:endParaRPr kumimoji="1" lang="ja-JP" altLang="en-US"/>
+            </a:p>
+          </p:txBody>
+        </p:sp>
+        <p:pic>
+          <p:nvPicPr>
+            <p:cNvPr id="9" name="図 8" descr="図形&#10;&#10;自動的に生成された説明">
+              <a:extLst>
+                <a:ext uri="{FF2B5EF4-FFF2-40B4-BE49-F238E27FC236}">
+                  <a16:creationId xmlns:a16="http://schemas.microsoft.com/office/drawing/2014/main" id="{85E8E7B5-E321-777C-3AA3-A04BB95CC8A8}"/>
+                </a:ext>
+              </a:extLst>
+            </p:cNvPr>
+            <p:cNvPicPr>
+              <a:picLocks noChangeAspect="1"/>
+            </p:cNvPicPr>
+            <p:nvPr/>
+          </p:nvPicPr>
+          <p:blipFill>
+            <a:blip r:embed="rId2">
+              <a:extLst>
+                <a:ext uri="{28A0092B-C50C-407E-A947-70E740481C1C}">
+                  <a14:useLocalDpi xmlns:a14="http://schemas.microsoft.com/office/drawing/2010/main" val="0"/>
+                </a:ext>
+              </a:extLst>
+            </a:blip>
+            <a:stretch>
+              <a:fillRect/>
+            </a:stretch>
+          </p:blipFill>
+          <p:spPr>
+            <a:xfrm>
+              <a:off x="3802649" y="1832382"/>
+              <a:ext cx="4267536" cy="3067291"/>
+            </a:xfrm>
+            <a:prstGeom prst="rect">
+              <a:avLst/>
+            </a:prstGeom>
+            <a:ln>
+              <a:solidFill>
+                <a:schemeClr val="bg1"/>
+              </a:solidFill>
+            </a:ln>
+          </p:spPr>
+        </p:pic>
+      </p:grpSp>
     </p:spTree>
     <p:extLst>
       <p:ext uri="{BB962C8B-B14F-4D97-AF65-F5344CB8AC3E}">
@@ -4324,10 +4494,10 @@
       </p:grpSpPr>
       <p:grpSp>
         <p:nvGrpSpPr>
-          <p:cNvPr id="5" name="グループ化 4">
-            <a:extLst>
-              <a:ext uri="{FF2B5EF4-FFF2-40B4-BE49-F238E27FC236}">
-                <a16:creationId xmlns:a16="http://schemas.microsoft.com/office/drawing/2014/main" id="{66DBAE87-8283-AE33-08F1-FAD75C2F2AB8}"/>
+          <p:cNvPr id="3" name="グループ化 2">
+            <a:extLst>
+              <a:ext uri="{FF2B5EF4-FFF2-40B4-BE49-F238E27FC236}">
+                <a16:creationId xmlns:a16="http://schemas.microsoft.com/office/drawing/2014/main" id="{30FA2663-D5C0-9F42-76D0-41E31610E27A}"/>
               </a:ext>
             </a:extLst>
           </p:cNvPr>
@@ -4336,18 +4506,18 @@
         </p:nvGrpSpPr>
         <p:grpSpPr>
           <a:xfrm>
-            <a:off x="3190009" y="2178453"/>
-            <a:ext cx="5330536" cy="3067291"/>
-            <a:chOff x="3190009" y="2178453"/>
-            <a:chExt cx="5330536" cy="3067291"/>
+            <a:off x="1475197" y="2176282"/>
+            <a:ext cx="8646288" cy="3067291"/>
+            <a:chOff x="1475197" y="2176282"/>
+            <a:chExt cx="8646288" cy="3067291"/>
           </a:xfrm>
         </p:grpSpPr>
         <p:sp>
           <p:nvSpPr>
-            <p:cNvPr id="4" name="正方形/長方形 3">
+            <p:cNvPr id="2" name="正方形/長方形 1">
               <a:extLst>
                 <a:ext uri="{FF2B5EF4-FFF2-40B4-BE49-F238E27FC236}">
-                  <a16:creationId xmlns:a16="http://schemas.microsoft.com/office/drawing/2014/main" id="{6B0B0A20-2E86-366B-C746-63A525CD0593}"/>
+                  <a16:creationId xmlns:a16="http://schemas.microsoft.com/office/drawing/2014/main" id="{62A24A42-3C42-4A69-3DD6-DCA088E0639A}"/>
                 </a:ext>
               </a:extLst>
             </p:cNvPr>
@@ -4356,8 +4526,8 @@
           </p:nvSpPr>
           <p:spPr>
             <a:xfrm>
-              <a:off x="3190009" y="2178453"/>
-              <a:ext cx="5330536" cy="3067291"/>
+              <a:off x="1475197" y="2176282"/>
+              <a:ext cx="8646288" cy="3067291"/>
             </a:xfrm>
             <a:prstGeom prst="rect">
               <a:avLst/>
@@ -4424,8 +4594,8 @@
           </p:blipFill>
           <p:spPr>
             <a:xfrm>
-              <a:off x="3331580" y="2180623"/>
-              <a:ext cx="5069711" cy="3062950"/>
+              <a:off x="3338947" y="2224043"/>
+              <a:ext cx="4918789" cy="2971768"/>
             </a:xfrm>
             <a:prstGeom prst="rect">
               <a:avLst/>
@@ -4470,10 +4640,10 @@
       </p:grpSpPr>
       <p:grpSp>
         <p:nvGrpSpPr>
-          <p:cNvPr id="5" name="グループ化 4">
-            <a:extLst>
-              <a:ext uri="{FF2B5EF4-FFF2-40B4-BE49-F238E27FC236}">
-                <a16:creationId xmlns:a16="http://schemas.microsoft.com/office/drawing/2014/main" id="{AD73297E-6E8C-2483-3E6F-1992E543D539}"/>
+          <p:cNvPr id="3" name="グループ化 2">
+            <a:extLst>
+              <a:ext uri="{FF2B5EF4-FFF2-40B4-BE49-F238E27FC236}">
+                <a16:creationId xmlns:a16="http://schemas.microsoft.com/office/drawing/2014/main" id="{7BAA4E7C-BC8B-8AAC-F2D4-B610AA77C06A}"/>
               </a:ext>
             </a:extLst>
           </p:cNvPr>
@@ -4482,18 +4652,18 @@
         </p:nvGrpSpPr>
         <p:grpSpPr>
           <a:xfrm>
-            <a:off x="2283787" y="1991416"/>
-            <a:ext cx="5330536" cy="3067291"/>
-            <a:chOff x="2283787" y="1991416"/>
-            <a:chExt cx="5330536" cy="3067291"/>
+            <a:off x="521887" y="1681860"/>
+            <a:ext cx="8646288" cy="3067291"/>
+            <a:chOff x="521887" y="1681860"/>
+            <a:chExt cx="8646288" cy="3067291"/>
           </a:xfrm>
         </p:grpSpPr>
         <p:sp>
           <p:nvSpPr>
-            <p:cNvPr id="4" name="正方形/長方形 3">
+            <p:cNvPr id="2" name="正方形/長方形 1">
               <a:extLst>
                 <a:ext uri="{FF2B5EF4-FFF2-40B4-BE49-F238E27FC236}">
-                  <a16:creationId xmlns:a16="http://schemas.microsoft.com/office/drawing/2014/main" id="{B85110F0-F451-6881-1B0F-E476116DB4AF}"/>
+                  <a16:creationId xmlns:a16="http://schemas.microsoft.com/office/drawing/2014/main" id="{5FBD5B34-F46D-56C7-AF83-DFBC9C85063E}"/>
                 </a:ext>
               </a:extLst>
             </p:cNvPr>
@@ -4502,8 +4672,8 @@
           </p:nvSpPr>
           <p:spPr>
             <a:xfrm>
-              <a:off x="2283787" y="1991416"/>
-              <a:ext cx="5330536" cy="3067291"/>
+              <a:off x="521887" y="1681860"/>
+              <a:ext cx="8646288" cy="3067291"/>
             </a:xfrm>
             <a:prstGeom prst="rect">
               <a:avLst/>
@@ -4570,8 +4740,8 @@
           </p:blipFill>
           <p:spPr>
             <a:xfrm>
-              <a:off x="2358735" y="2843078"/>
-              <a:ext cx="5180641" cy="1363966"/>
+              <a:off x="1524670" y="2341316"/>
+              <a:ext cx="6640722" cy="1748378"/>
             </a:xfrm>
             <a:prstGeom prst="rect">
               <a:avLst/>

--- a/docs/assets/images/logo.pptx
+++ b/docs/assets/images/logo.pptx
@@ -265,7 +265,7 @@
           <a:p>
             <a:fld id="{E758D935-2A79-4701-B355-AD37FE9E3A0D}" type="datetimeFigureOut">
               <a:rPr kumimoji="1" lang="ja-JP" altLang="en-US" smtClean="0"/>
-              <a:t>2024/5/24</a:t>
+              <a:t>2024/8/7</a:t>
             </a:fld>
             <a:endParaRPr kumimoji="1" lang="ja-JP" altLang="en-US"/>
           </a:p>
@@ -495,7 +495,7 @@
           <a:p>
             <a:fld id="{E758D935-2A79-4701-B355-AD37FE9E3A0D}" type="datetimeFigureOut">
               <a:rPr kumimoji="1" lang="ja-JP" altLang="en-US" smtClean="0"/>
-              <a:t>2024/5/24</a:t>
+              <a:t>2024/8/7</a:t>
             </a:fld>
             <a:endParaRPr kumimoji="1" lang="ja-JP" altLang="en-US"/>
           </a:p>
@@ -735,7 +735,7 @@
           <a:p>
             <a:fld id="{E758D935-2A79-4701-B355-AD37FE9E3A0D}" type="datetimeFigureOut">
               <a:rPr kumimoji="1" lang="ja-JP" altLang="en-US" smtClean="0"/>
-              <a:t>2024/5/24</a:t>
+              <a:t>2024/8/7</a:t>
             </a:fld>
             <a:endParaRPr kumimoji="1" lang="ja-JP" altLang="en-US"/>
           </a:p>
@@ -965,7 +965,7 @@
           <a:p>
             <a:fld id="{E758D935-2A79-4701-B355-AD37FE9E3A0D}" type="datetimeFigureOut">
               <a:rPr kumimoji="1" lang="ja-JP" altLang="en-US" smtClean="0"/>
-              <a:t>2024/5/24</a:t>
+              <a:t>2024/8/7</a:t>
             </a:fld>
             <a:endParaRPr kumimoji="1" lang="ja-JP" altLang="en-US"/>
           </a:p>
@@ -1240,7 +1240,7 @@
           <a:p>
             <a:fld id="{E758D935-2A79-4701-B355-AD37FE9E3A0D}" type="datetimeFigureOut">
               <a:rPr kumimoji="1" lang="ja-JP" altLang="en-US" smtClean="0"/>
-              <a:t>2024/5/24</a:t>
+              <a:t>2024/8/7</a:t>
             </a:fld>
             <a:endParaRPr kumimoji="1" lang="ja-JP" altLang="en-US"/>
           </a:p>
@@ -1569,7 +1569,7 @@
           <a:p>
             <a:fld id="{E758D935-2A79-4701-B355-AD37FE9E3A0D}" type="datetimeFigureOut">
               <a:rPr kumimoji="1" lang="ja-JP" altLang="en-US" smtClean="0"/>
-              <a:t>2024/5/24</a:t>
+              <a:t>2024/8/7</a:t>
             </a:fld>
             <a:endParaRPr kumimoji="1" lang="ja-JP" altLang="en-US"/>
           </a:p>
@@ -2045,7 +2045,7 @@
           <a:p>
             <a:fld id="{E758D935-2A79-4701-B355-AD37FE9E3A0D}" type="datetimeFigureOut">
               <a:rPr kumimoji="1" lang="ja-JP" altLang="en-US" smtClean="0"/>
-              <a:t>2024/5/24</a:t>
+              <a:t>2024/8/7</a:t>
             </a:fld>
             <a:endParaRPr kumimoji="1" lang="ja-JP" altLang="en-US"/>
           </a:p>
@@ -2186,7 +2186,7 @@
           <a:p>
             <a:fld id="{E758D935-2A79-4701-B355-AD37FE9E3A0D}" type="datetimeFigureOut">
               <a:rPr kumimoji="1" lang="ja-JP" altLang="en-US" smtClean="0"/>
-              <a:t>2024/5/24</a:t>
+              <a:t>2024/8/7</a:t>
             </a:fld>
             <a:endParaRPr kumimoji="1" lang="ja-JP" altLang="en-US"/>
           </a:p>
@@ -2299,7 +2299,7 @@
           <a:p>
             <a:fld id="{E758D935-2A79-4701-B355-AD37FE9E3A0D}" type="datetimeFigureOut">
               <a:rPr kumimoji="1" lang="ja-JP" altLang="en-US" smtClean="0"/>
-              <a:t>2024/5/24</a:t>
+              <a:t>2024/8/7</a:t>
             </a:fld>
             <a:endParaRPr kumimoji="1" lang="ja-JP" altLang="en-US"/>
           </a:p>
@@ -2642,7 +2642,7 @@
           <a:p>
             <a:fld id="{E758D935-2A79-4701-B355-AD37FE9E3A0D}" type="datetimeFigureOut">
               <a:rPr kumimoji="1" lang="ja-JP" altLang="en-US" smtClean="0"/>
-              <a:t>2024/5/24</a:t>
+              <a:t>2024/8/7</a:t>
             </a:fld>
             <a:endParaRPr kumimoji="1" lang="ja-JP" altLang="en-US"/>
           </a:p>
@@ -2930,7 +2930,7 @@
           <a:p>
             <a:fld id="{E758D935-2A79-4701-B355-AD37FE9E3A0D}" type="datetimeFigureOut">
               <a:rPr kumimoji="1" lang="ja-JP" altLang="en-US" smtClean="0"/>
-              <a:t>2024/5/24</a:t>
+              <a:t>2024/8/7</a:t>
             </a:fld>
             <a:endParaRPr kumimoji="1" lang="ja-JP" altLang="en-US"/>
           </a:p>
@@ -3203,7 +3203,7 @@
           <a:p>
             <a:fld id="{E758D935-2A79-4701-B355-AD37FE9E3A0D}" type="datetimeFigureOut">
               <a:rPr kumimoji="1" lang="ja-JP" altLang="en-US" smtClean="0"/>
-              <a:t>2024/5/24</a:t>
+              <a:t>2024/8/7</a:t>
             </a:fld>
             <a:endParaRPr kumimoji="1" lang="ja-JP" altLang="en-US"/>
           </a:p>
@@ -4022,6 +4022,42 @@
           </p:spPr>
         </p:pic>
       </p:grpSp>
+      <p:pic>
+        <p:nvPicPr>
+          <p:cNvPr id="4" name="図 3" descr="テキスト&#10;&#10;低い精度で自動的に生成された説明">
+            <a:extLst>
+              <a:ext uri="{FF2B5EF4-FFF2-40B4-BE49-F238E27FC236}">
+                <a16:creationId xmlns:a16="http://schemas.microsoft.com/office/drawing/2014/main" id="{A78B7AEA-9788-E809-3381-B556D664DB4E}"/>
+              </a:ext>
+            </a:extLst>
+          </p:cNvPr>
+          <p:cNvPicPr>
+            <a:picLocks noChangeAspect="1"/>
+          </p:cNvPicPr>
+          <p:nvPr/>
+        </p:nvPicPr>
+        <p:blipFill>
+          <a:blip r:embed="rId2">
+            <a:extLst>
+              <a:ext uri="{28A0092B-C50C-407E-A947-70E740481C1C}">
+                <a14:useLocalDpi xmlns:a14="http://schemas.microsoft.com/office/drawing/2010/main" val="0"/>
+              </a:ext>
+            </a:extLst>
+          </a:blip>
+          <a:stretch>
+            <a:fillRect/>
+          </a:stretch>
+        </p:blipFill>
+        <p:spPr>
+          <a:xfrm>
+            <a:off x="1772856" y="4385594"/>
+            <a:ext cx="8646288" cy="2078805"/>
+          </a:xfrm>
+          <a:prstGeom prst="rect">
+            <a:avLst/>
+          </a:prstGeom>
+        </p:spPr>
+      </p:pic>
     </p:spTree>
     <p:extLst>
       <p:ext uri="{BB962C8B-B14F-4D97-AF65-F5344CB8AC3E}">
